--- a/assets/img/Pic.pptx
+++ b/assets/img/Pic.pptx
@@ -6,6 +6,7 @@
   </p:sldMasterIdLst>
   <p:sldIdLst>
     <p:sldId id="256" r:id="rId2"/>
+    <p:sldId id="257" r:id="rId3"/>
   </p:sldIdLst>
   <p:sldSz cx="12192000" cy="6858000"/>
   <p:notesSz cx="6858000" cy="9144000"/>
@@ -104,6 +105,11 @@
       </a:defRPr>
     </a:lvl9pPr>
   </p:defaultTextStyle>
+  <p:extLst>
+    <p:ext uri="{EFAFB233-063F-42B5-8137-9DF3F51BA10A}">
+      <p15:sldGuideLst xmlns:p15="http://schemas.microsoft.com/office/powerpoint/2012/main"/>
+    </p:ext>
+  </p:extLst>
 </p:presentation>
 </file>
 
@@ -256,7 +262,7 @@
           <a:p>
             <a:fld id="{894C488B-465D-4172-84C3-78F18BB33E5E}" type="datetimeFigureOut">
               <a:rPr lang="en-SG" smtClean="0"/>
-              <a:t>12/2/2022</a:t>
+              <a:t>23/5/22</a:t>
             </a:fld>
             <a:endParaRPr lang="en-SG"/>
           </a:p>
@@ -456,7 +462,7 @@
           <a:p>
             <a:fld id="{894C488B-465D-4172-84C3-78F18BB33E5E}" type="datetimeFigureOut">
               <a:rPr lang="en-SG" smtClean="0"/>
-              <a:t>12/2/2022</a:t>
+              <a:t>23/5/22</a:t>
             </a:fld>
             <a:endParaRPr lang="en-SG"/>
           </a:p>
@@ -666,7 +672,7 @@
           <a:p>
             <a:fld id="{894C488B-465D-4172-84C3-78F18BB33E5E}" type="datetimeFigureOut">
               <a:rPr lang="en-SG" smtClean="0"/>
-              <a:t>12/2/2022</a:t>
+              <a:t>23/5/22</a:t>
             </a:fld>
             <a:endParaRPr lang="en-SG"/>
           </a:p>
@@ -866,7 +872,7 @@
           <a:p>
             <a:fld id="{894C488B-465D-4172-84C3-78F18BB33E5E}" type="datetimeFigureOut">
               <a:rPr lang="en-SG" smtClean="0"/>
-              <a:t>12/2/2022</a:t>
+              <a:t>23/5/22</a:t>
             </a:fld>
             <a:endParaRPr lang="en-SG"/>
           </a:p>
@@ -1142,7 +1148,7 @@
           <a:p>
             <a:fld id="{894C488B-465D-4172-84C3-78F18BB33E5E}" type="datetimeFigureOut">
               <a:rPr lang="en-SG" smtClean="0"/>
-              <a:t>12/2/2022</a:t>
+              <a:t>23/5/22</a:t>
             </a:fld>
             <a:endParaRPr lang="en-SG"/>
           </a:p>
@@ -1410,7 +1416,7 @@
           <a:p>
             <a:fld id="{894C488B-465D-4172-84C3-78F18BB33E5E}" type="datetimeFigureOut">
               <a:rPr lang="en-SG" smtClean="0"/>
-              <a:t>12/2/2022</a:t>
+              <a:t>23/5/22</a:t>
             </a:fld>
             <a:endParaRPr lang="en-SG"/>
           </a:p>
@@ -1825,7 +1831,7 @@
           <a:p>
             <a:fld id="{894C488B-465D-4172-84C3-78F18BB33E5E}" type="datetimeFigureOut">
               <a:rPr lang="en-SG" smtClean="0"/>
-              <a:t>12/2/2022</a:t>
+              <a:t>23/5/22</a:t>
             </a:fld>
             <a:endParaRPr lang="en-SG"/>
           </a:p>
@@ -1967,7 +1973,7 @@
           <a:p>
             <a:fld id="{894C488B-465D-4172-84C3-78F18BB33E5E}" type="datetimeFigureOut">
               <a:rPr lang="en-SG" smtClean="0"/>
-              <a:t>12/2/2022</a:t>
+              <a:t>23/5/22</a:t>
             </a:fld>
             <a:endParaRPr lang="en-SG"/>
           </a:p>
@@ -2080,7 +2086,7 @@
           <a:p>
             <a:fld id="{894C488B-465D-4172-84C3-78F18BB33E5E}" type="datetimeFigureOut">
               <a:rPr lang="en-SG" smtClean="0"/>
-              <a:t>12/2/2022</a:t>
+              <a:t>23/5/22</a:t>
             </a:fld>
             <a:endParaRPr lang="en-SG"/>
           </a:p>
@@ -2393,7 +2399,7 @@
           <a:p>
             <a:fld id="{894C488B-465D-4172-84C3-78F18BB33E5E}" type="datetimeFigureOut">
               <a:rPr lang="en-SG" smtClean="0"/>
-              <a:t>12/2/2022</a:t>
+              <a:t>23/5/22</a:t>
             </a:fld>
             <a:endParaRPr lang="en-SG"/>
           </a:p>
@@ -2682,7 +2688,7 @@
           <a:p>
             <a:fld id="{894C488B-465D-4172-84C3-78F18BB33E5E}" type="datetimeFigureOut">
               <a:rPr lang="en-SG" smtClean="0"/>
-              <a:t>12/2/2022</a:t>
+              <a:t>23/5/22</a:t>
             </a:fld>
             <a:endParaRPr lang="en-SG"/>
           </a:p>
@@ -2925,7 +2931,7 @@
           <a:p>
             <a:fld id="{894C488B-465D-4172-84C3-78F18BB33E5E}" type="datetimeFigureOut">
               <a:rPr lang="en-SG" smtClean="0"/>
-              <a:t>12/2/2022</a:t>
+              <a:t>23/5/22</a:t>
             </a:fld>
             <a:endParaRPr lang="en-SG"/>
           </a:p>
@@ -3421,6 +3427,289 @@
 </p:sld>
 </file>
 
+<file path=ppt/slides/slide2.xml><?xml version="1.0" encoding="utf-8"?>
+<p:sld xmlns:a="http://schemas.openxmlformats.org/drawingml/2006/main" xmlns:r="http://schemas.openxmlformats.org/officeDocument/2006/relationships" xmlns:p="http://schemas.openxmlformats.org/presentationml/2006/main">
+  <p:cSld>
+    <p:spTree>
+      <p:nvGrpSpPr>
+        <p:cNvPr id="1" name=""/>
+        <p:cNvGrpSpPr/>
+        <p:nvPr/>
+      </p:nvGrpSpPr>
+      <p:grpSpPr>
+        <a:xfrm>
+          <a:off x="0" y="0"/>
+          <a:ext cx="0" cy="0"/>
+          <a:chOff x="0" y="0"/>
+          <a:chExt cx="0" cy="0"/>
+        </a:xfrm>
+      </p:grpSpPr>
+      <p:pic>
+        <p:nvPicPr>
+          <p:cNvPr id="4" name="Graphic 3">
+            <a:extLst>
+              <a:ext uri="{FF2B5EF4-FFF2-40B4-BE49-F238E27FC236}">
+                <a16:creationId xmlns:a16="http://schemas.microsoft.com/office/drawing/2014/main" id="{A26DFFF5-F687-D8A9-C98E-50FD64E1FC7F}"/>
+              </a:ext>
+            </a:extLst>
+          </p:cNvPr>
+          <p:cNvPicPr>
+            <a:picLocks noChangeAspect="1"/>
+          </p:cNvPicPr>
+          <p:nvPr/>
+        </p:nvPicPr>
+        <p:blipFill>
+          <a:blip r:embed="rId2">
+            <a:extLst>
+              <a:ext uri="{28A0092B-C50C-407E-A947-70E740481C1C}">
+                <a14:useLocalDpi xmlns:a14="http://schemas.microsoft.com/office/drawing/2010/main" val="0"/>
+              </a:ext>
+              <a:ext uri="{96DAC541-7B7A-43D3-8B79-37D633B846F1}">
+                <asvg:svgBlip xmlns:asvg="http://schemas.microsoft.com/office/drawing/2016/SVG/main" r:embed="rId3"/>
+              </a:ext>
+            </a:extLst>
+          </a:blip>
+          <a:stretch>
+            <a:fillRect/>
+          </a:stretch>
+        </p:blipFill>
+        <p:spPr>
+          <a:xfrm>
+            <a:off x="377801" y="5820932"/>
+            <a:ext cx="3705183" cy="918765"/>
+          </a:xfrm>
+          <a:prstGeom prst="rect">
+            <a:avLst/>
+          </a:prstGeom>
+        </p:spPr>
+      </p:pic>
+      <p:pic>
+        <p:nvPicPr>
+          <p:cNvPr id="5" name="Picture 4">
+            <a:extLst>
+              <a:ext uri="{FF2B5EF4-FFF2-40B4-BE49-F238E27FC236}">
+                <a16:creationId xmlns:a16="http://schemas.microsoft.com/office/drawing/2014/main" id="{6FFE7CE3-AF4B-0695-511D-F3DD9A25A36A}"/>
+              </a:ext>
+            </a:extLst>
+          </p:cNvPr>
+          <p:cNvPicPr>
+            <a:picLocks noChangeAspect="1"/>
+          </p:cNvPicPr>
+          <p:nvPr/>
+        </p:nvPicPr>
+        <p:blipFill>
+          <a:blip r:embed="rId4"/>
+          <a:stretch>
+            <a:fillRect/>
+          </a:stretch>
+        </p:blipFill>
+        <p:spPr>
+          <a:xfrm>
+            <a:off x="333631" y="0"/>
+            <a:ext cx="3793525" cy="4429531"/>
+          </a:xfrm>
+          <a:prstGeom prst="rect">
+            <a:avLst/>
+          </a:prstGeom>
+        </p:spPr>
+      </p:pic>
+      <p:pic>
+        <p:nvPicPr>
+          <p:cNvPr id="7" name="Picture 6">
+            <a:extLst>
+              <a:ext uri="{FF2B5EF4-FFF2-40B4-BE49-F238E27FC236}">
+                <a16:creationId xmlns:a16="http://schemas.microsoft.com/office/drawing/2014/main" id="{28CA1D86-1613-5F96-B4DA-5CE8B103EDE5}"/>
+              </a:ext>
+            </a:extLst>
+          </p:cNvPr>
+          <p:cNvPicPr>
+            <a:picLocks noChangeAspect="1"/>
+          </p:cNvPicPr>
+          <p:nvPr/>
+        </p:nvPicPr>
+        <p:blipFill>
+          <a:blip r:embed="rId5"/>
+          <a:stretch>
+            <a:fillRect/>
+          </a:stretch>
+        </p:blipFill>
+        <p:spPr>
+          <a:xfrm>
+            <a:off x="4127156" y="-9945"/>
+            <a:ext cx="3727535" cy="5963945"/>
+          </a:xfrm>
+          <a:prstGeom prst="rect">
+            <a:avLst/>
+          </a:prstGeom>
+        </p:spPr>
+      </p:pic>
+      <p:sp>
+        <p:nvSpPr>
+          <p:cNvPr id="9" name="TextBox 8">
+            <a:extLst>
+              <a:ext uri="{FF2B5EF4-FFF2-40B4-BE49-F238E27FC236}">
+                <a16:creationId xmlns:a16="http://schemas.microsoft.com/office/drawing/2014/main" id="{A5ABBB01-B3E8-2B93-A2AA-EC5C43A50B8C}"/>
+              </a:ext>
+            </a:extLst>
+          </p:cNvPr>
+          <p:cNvSpPr txBox="1"/>
+          <p:nvPr/>
+        </p:nvSpPr>
+        <p:spPr>
+          <a:xfrm>
+            <a:off x="4199236" y="5987926"/>
+            <a:ext cx="7992764" cy="584775"/>
+          </a:xfrm>
+          <a:prstGeom prst="rect">
+            <a:avLst/>
+          </a:prstGeom>
+          <a:noFill/>
+        </p:spPr>
+        <p:txBody>
+          <a:bodyPr wrap="square" rtlCol="0">
+            <a:spAutoFit/>
+          </a:bodyPr>
+          <a:lstStyle/>
+          <a:p>
+            <a:pPr algn="just"/>
+            <a:r>
+              <a:rPr lang="en-SG" sz="1600" dirty="0" err="1"/>
+              <a:t>Berco</a:t>
+            </a:r>
+            <a:r>
+              <a:rPr lang="en-SG" sz="1600" dirty="0"/>
+              <a:t>, D., et al. (2020). "An </a:t>
+            </a:r>
+            <a:r>
+              <a:rPr lang="en-SG" sz="1600" dirty="0" err="1"/>
+              <a:t>Optoneuronic</a:t>
+            </a:r>
+            <a:r>
+              <a:rPr lang="en-SG" sz="1600" dirty="0"/>
+              <a:t> Device with Realistic Retinal Expressions for Bioinspired Machine Vision." </a:t>
+            </a:r>
+            <a:r>
+              <a:rPr lang="en-SG" sz="1600" u="sng" dirty="0"/>
+              <a:t>Advanced Intelligent Systems</a:t>
+            </a:r>
+            <a:r>
+              <a:rPr lang="en-SG" sz="1600" dirty="0"/>
+              <a:t> </a:t>
+            </a:r>
+            <a:r>
+              <a:rPr lang="en-SG" sz="1600" b="1" dirty="0"/>
+              <a:t>2</a:t>
+            </a:r>
+            <a:r>
+              <a:rPr lang="en-SG" sz="1600" dirty="0"/>
+              <a:t>(2): 1900115.</a:t>
+            </a:r>
+          </a:p>
+        </p:txBody>
+      </p:sp>
+      <p:sp>
+        <p:nvSpPr>
+          <p:cNvPr id="10" name="TextBox 9">
+            <a:extLst>
+              <a:ext uri="{FF2B5EF4-FFF2-40B4-BE49-F238E27FC236}">
+                <a16:creationId xmlns:a16="http://schemas.microsoft.com/office/drawing/2014/main" id="{693E9FA3-DCBB-C13A-C3C6-822F7F3CD2CD}"/>
+              </a:ext>
+            </a:extLst>
+          </p:cNvPr>
+          <p:cNvSpPr txBox="1"/>
+          <p:nvPr/>
+        </p:nvSpPr>
+        <p:spPr>
+          <a:xfrm>
+            <a:off x="289459" y="4301599"/>
+            <a:ext cx="3793525" cy="1569660"/>
+          </a:xfrm>
+          <a:prstGeom prst="rect">
+            <a:avLst/>
+          </a:prstGeom>
+          <a:noFill/>
+        </p:spPr>
+        <p:txBody>
+          <a:bodyPr wrap="square" rtlCol="0">
+            <a:spAutoFit/>
+          </a:bodyPr>
+          <a:lstStyle/>
+          <a:p>
+            <a:pPr algn="just"/>
+            <a:r>
+              <a:rPr lang="en-SG" sz="1600" dirty="0"/>
+              <a:t>Kumar, D., et al. (2020). "Visible Light Detection and Memory Capabilities in MgO/</a:t>
+            </a:r>
+            <a:r>
+              <a:rPr lang="en-SG" sz="1600" dirty="0" err="1"/>
+              <a:t>HfO</a:t>
+            </a:r>
+            <a:r>
+              <a:rPr lang="en-SG" sz="1600" dirty="0"/>
+              <a:t>₂ Bilayer-Based Transparent Structure for Photograph Sensing." </a:t>
+            </a:r>
+            <a:r>
+              <a:rPr lang="en-SG" sz="1600" u="sng" dirty="0"/>
+              <a:t>IEEE Transactions on Electron Devices</a:t>
+            </a:r>
+            <a:r>
+              <a:rPr lang="en-SG" sz="1600" dirty="0"/>
+              <a:t> </a:t>
+            </a:r>
+            <a:r>
+              <a:rPr lang="en-SG" sz="1600" b="1" dirty="0"/>
+              <a:t>67</a:t>
+            </a:r>
+            <a:r>
+              <a:rPr lang="en-SG" sz="1600" dirty="0"/>
+              <a:t>(10): 4274-4280.</a:t>
+            </a:r>
+          </a:p>
+        </p:txBody>
+      </p:sp>
+      <p:pic>
+        <p:nvPicPr>
+          <p:cNvPr id="11" name="Picture 10">
+            <a:extLst>
+              <a:ext uri="{FF2B5EF4-FFF2-40B4-BE49-F238E27FC236}">
+                <a16:creationId xmlns:a16="http://schemas.microsoft.com/office/drawing/2014/main" id="{6F6B58E6-C17B-A837-210D-4C3264D7AB6C}"/>
+              </a:ext>
+            </a:extLst>
+          </p:cNvPr>
+          <p:cNvPicPr>
+            <a:picLocks noChangeAspect="1"/>
+          </p:cNvPicPr>
+          <p:nvPr/>
+        </p:nvPicPr>
+        <p:blipFill>
+          <a:blip r:embed="rId6"/>
+          <a:stretch>
+            <a:fillRect/>
+          </a:stretch>
+        </p:blipFill>
+        <p:spPr>
+          <a:xfrm>
+            <a:off x="7898863" y="-9945"/>
+            <a:ext cx="4293137" cy="5824654"/>
+          </a:xfrm>
+          <a:prstGeom prst="rect">
+            <a:avLst/>
+          </a:prstGeom>
+        </p:spPr>
+      </p:pic>
+    </p:spTree>
+    <p:extLst>
+      <p:ext uri="{BB962C8B-B14F-4D97-AF65-F5344CB8AC3E}">
+        <p14:creationId xmlns:p14="http://schemas.microsoft.com/office/powerpoint/2010/main" val="2298021959"/>
+      </p:ext>
+    </p:extLst>
+  </p:cSld>
+  <p:clrMapOvr>
+    <a:masterClrMapping/>
+  </p:clrMapOvr>
+</p:sld>
+</file>
+
 <file path=ppt/theme/theme1.xml><?xml version="1.0" encoding="utf-8"?>
 <a:theme xmlns:a="http://schemas.openxmlformats.org/drawingml/2006/main" name="Office Theme">
   <a:themeElements>

--- a/assets/img/Pic.pptx
+++ b/assets/img/Pic.pptx
@@ -4003,4 +4003,250 @@
     </a:ext>
   </a:extLst>
 </a:theme>
+</file>
+
+<file path=customXml/item1.xml><?xml version="1.0" encoding="utf-8"?>
+<ct:contentTypeSchema xmlns:ct="http://schemas.microsoft.com/office/2006/metadata/contentType" xmlns:ma="http://schemas.microsoft.com/office/2006/metadata/properties/metaAttributes" ct:_="" ma:_="" ma:contentTypeName="Document" ma:contentTypeID="0x0101003813ED556A586548A2B637F502FA258C" ma:contentTypeVersion="15" ma:contentTypeDescription="Create a new document." ma:contentTypeScope="" ma:versionID="b606dbddf7c823522748a30e5bcf0cc5">
+  <xsd:schema xmlns:xsd="http://www.w3.org/2001/XMLSchema" xmlns:xs="http://www.w3.org/2001/XMLSchema" xmlns:p="http://schemas.microsoft.com/office/2006/metadata/properties" xmlns:ns2="25d9727c-b351-4556-a929-eb936c30f2c7" xmlns:ns3="97638521-f061-40ef-a807-531b94b7ac57" targetNamespace="http://schemas.microsoft.com/office/2006/metadata/properties" ma:root="true" ma:fieldsID="c353b217246434e665f697d328b1fc36" ns2:_="" ns3:_="">
+    <xsd:import namespace="25d9727c-b351-4556-a929-eb936c30f2c7"/>
+    <xsd:import namespace="97638521-f061-40ef-a807-531b94b7ac57"/>
+    <xsd:element name="properties">
+      <xsd:complexType>
+        <xsd:sequence>
+          <xsd:element name="documentManagement">
+            <xsd:complexType>
+              <xsd:all>
+                <xsd:element ref="ns2:MediaServiceMetadata" minOccurs="0"/>
+                <xsd:element ref="ns2:MediaServiceFastMetadata" minOccurs="0"/>
+                <xsd:element ref="ns3:SharedWithUsers" minOccurs="0"/>
+                <xsd:element ref="ns3:SharedWithDetails" minOccurs="0"/>
+                <xsd:element ref="ns2:lcf76f155ced4ddcb4097134ff3c332f" minOccurs="0"/>
+                <xsd:element ref="ns3:TaxCatchAll" minOccurs="0"/>
+                <xsd:element ref="ns2:MediaServiceGenerationTime" minOccurs="0"/>
+                <xsd:element ref="ns2:MediaServiceEventHashCode" minOccurs="0"/>
+                <xsd:element ref="ns2:MediaServiceOCR" minOccurs="0"/>
+                <xsd:element ref="ns2:MediaServiceDateTaken" minOccurs="0"/>
+                <xsd:element ref="ns2:MediaLengthInSeconds" minOccurs="0"/>
+                <xsd:element ref="ns2:MediaServiceObjectDetectorVersions" minOccurs="0"/>
+                <xsd:element ref="ns2:MediaServiceSearchProperties" minOccurs="0"/>
+              </xsd:all>
+            </xsd:complexType>
+          </xsd:element>
+        </xsd:sequence>
+      </xsd:complexType>
+    </xsd:element>
+  </xsd:schema>
+  <xsd:schema xmlns:xsd="http://www.w3.org/2001/XMLSchema" xmlns:xs="http://www.w3.org/2001/XMLSchema" xmlns:dms="http://schemas.microsoft.com/office/2006/documentManagement/types" xmlns:pc="http://schemas.microsoft.com/office/infopath/2007/PartnerControls" targetNamespace="25d9727c-b351-4556-a929-eb936c30f2c7" elementFormDefault="qualified">
+    <xsd:import namespace="http://schemas.microsoft.com/office/2006/documentManagement/types"/>
+    <xsd:import namespace="http://schemas.microsoft.com/office/infopath/2007/PartnerControls"/>
+    <xsd:element name="MediaServiceMetadata" ma:index="8" nillable="true" ma:displayName="MediaServiceMetadata" ma:hidden="true" ma:internalName="MediaServiceMetadata" ma:readOnly="true">
+      <xsd:simpleType>
+        <xsd:restriction base="dms:Note"/>
+      </xsd:simpleType>
+    </xsd:element>
+    <xsd:element name="MediaServiceFastMetadata" ma:index="9" nillable="true" ma:displayName="MediaServiceFastMetadata" ma:hidden="true" ma:internalName="MediaServiceFastMetadata" ma:readOnly="true">
+      <xsd:simpleType>
+        <xsd:restriction base="dms:Note"/>
+      </xsd:simpleType>
+    </xsd:element>
+    <xsd:element name="lcf76f155ced4ddcb4097134ff3c332f" ma:index="13" nillable="true" ma:taxonomy="true" ma:internalName="lcf76f155ced4ddcb4097134ff3c332f" ma:taxonomyFieldName="MediaServiceImageTags" ma:displayName="Image Tags" ma:readOnly="false" ma:fieldId="{5cf76f15-5ced-4ddc-b409-7134ff3c332f}" ma:taxonomyMulti="true" ma:sspId="fbc49540-5c35-4aa1-8e74-ce7972271726" ma:termSetId="09814cd3-568e-fe90-9814-8d621ff8fb84" ma:anchorId="fba54fb3-c3e1-fe81-a776-ca4b69148c4d" ma:open="true" ma:isKeyword="false">
+      <xsd:complexType>
+        <xsd:sequence>
+          <xsd:element ref="pc:Terms" minOccurs="0" maxOccurs="1"/>
+        </xsd:sequence>
+      </xsd:complexType>
+    </xsd:element>
+    <xsd:element name="MediaServiceGenerationTime" ma:index="15" nillable="true" ma:displayName="MediaServiceGenerationTime" ma:hidden="true" ma:internalName="MediaServiceGenerationTime" ma:readOnly="true">
+      <xsd:simpleType>
+        <xsd:restriction base="dms:Text"/>
+      </xsd:simpleType>
+    </xsd:element>
+    <xsd:element name="MediaServiceEventHashCode" ma:index="16" nillable="true" ma:displayName="MediaServiceEventHashCode" ma:hidden="true" ma:internalName="MediaServiceEventHashCode" ma:readOnly="true">
+      <xsd:simpleType>
+        <xsd:restriction base="dms:Text"/>
+      </xsd:simpleType>
+    </xsd:element>
+    <xsd:element name="MediaServiceOCR" ma:index="17" nillable="true" ma:displayName="Extracted Text" ma:internalName="MediaServiceOCR" ma:readOnly="true">
+      <xsd:simpleType>
+        <xsd:restriction base="dms:Note">
+          <xsd:maxLength value="255"/>
+        </xsd:restriction>
+      </xsd:simpleType>
+    </xsd:element>
+    <xsd:element name="MediaServiceDateTaken" ma:index="18" nillable="true" ma:displayName="MediaServiceDateTaken" ma:hidden="true" ma:internalName="MediaServiceDateTaken" ma:readOnly="true">
+      <xsd:simpleType>
+        <xsd:restriction base="dms:Text"/>
+      </xsd:simpleType>
+    </xsd:element>
+    <xsd:element name="MediaLengthInSeconds" ma:index="19" nillable="true" ma:displayName="MediaLengthInSeconds" ma:hidden="true" ma:internalName="MediaLengthInSeconds" ma:readOnly="true">
+      <xsd:simpleType>
+        <xsd:restriction base="dms:Unknown"/>
+      </xsd:simpleType>
+    </xsd:element>
+    <xsd:element name="MediaServiceObjectDetectorVersions" ma:index="20" nillable="true" ma:displayName="MediaServiceObjectDetectorVersions" ma:hidden="true" ma:indexed="true" ma:internalName="MediaServiceObjectDetectorVersions" ma:readOnly="true">
+      <xsd:simpleType>
+        <xsd:restriction base="dms:Text"/>
+      </xsd:simpleType>
+    </xsd:element>
+    <xsd:element name="MediaServiceSearchProperties" ma:index="21" nillable="true" ma:displayName="MediaServiceSearchProperties" ma:hidden="true" ma:internalName="MediaServiceSearchProperties" ma:readOnly="true">
+      <xsd:simpleType>
+        <xsd:restriction base="dms:Note"/>
+      </xsd:simpleType>
+    </xsd:element>
+  </xsd:schema>
+  <xsd:schema xmlns:xsd="http://www.w3.org/2001/XMLSchema" xmlns:xs="http://www.w3.org/2001/XMLSchema" xmlns:dms="http://schemas.microsoft.com/office/2006/documentManagement/types" xmlns:pc="http://schemas.microsoft.com/office/infopath/2007/PartnerControls" targetNamespace="97638521-f061-40ef-a807-531b94b7ac57" elementFormDefault="qualified">
+    <xsd:import namespace="http://schemas.microsoft.com/office/2006/documentManagement/types"/>
+    <xsd:import namespace="http://schemas.microsoft.com/office/infopath/2007/PartnerControls"/>
+    <xsd:element name="SharedWithUsers" ma:index="10" nillable="true" ma:displayName="Shared With" ma:internalName="SharedWithUsers" ma:readOnly="true">
+      <xsd:complexType>
+        <xsd:complexContent>
+          <xsd:extension base="dms:UserMulti">
+            <xsd:sequence>
+              <xsd:element name="UserInfo" minOccurs="0" maxOccurs="unbounded">
+                <xsd:complexType>
+                  <xsd:sequence>
+                    <xsd:element name="DisplayName" type="xsd:string" minOccurs="0"/>
+                    <xsd:element name="AccountId" type="dms:UserId" minOccurs="0" nillable="true"/>
+                    <xsd:element name="AccountType" type="xsd:string" minOccurs="0"/>
+                  </xsd:sequence>
+                </xsd:complexType>
+              </xsd:element>
+            </xsd:sequence>
+          </xsd:extension>
+        </xsd:complexContent>
+      </xsd:complexType>
+    </xsd:element>
+    <xsd:element name="SharedWithDetails" ma:index="11" nillable="true" ma:displayName="Shared With Details" ma:internalName="SharedWithDetails" ma:readOnly="true">
+      <xsd:simpleType>
+        <xsd:restriction base="dms:Note">
+          <xsd:maxLength value="255"/>
+        </xsd:restriction>
+      </xsd:simpleType>
+    </xsd:element>
+    <xsd:element name="TaxCatchAll" ma:index="14" nillable="true" ma:displayName="Taxonomy Catch All Column" ma:hidden="true" ma:list="{6b0efd09-b43a-4f33-834d-4b175b629089}" ma:internalName="TaxCatchAll" ma:showField="CatchAllData" ma:web="97638521-f061-40ef-a807-531b94b7ac57">
+      <xsd:complexType>
+        <xsd:complexContent>
+          <xsd:extension base="dms:MultiChoiceLookup">
+            <xsd:sequence>
+              <xsd:element name="Value" type="dms:Lookup" maxOccurs="unbounded" minOccurs="0" nillable="true"/>
+            </xsd:sequence>
+          </xsd:extension>
+        </xsd:complexContent>
+      </xsd:complexType>
+    </xsd:element>
+  </xsd:schema>
+  <xsd:schema xmlns="http://schemas.openxmlformats.org/package/2006/metadata/core-properties" xmlns:xsd="http://www.w3.org/2001/XMLSchema" xmlns:xsi="http://www.w3.org/2001/XMLSchema-instance" xmlns:dc="http://purl.org/dc/elements/1.1/" xmlns:dcterms="http://purl.org/dc/terms/" xmlns:odoc="http://schemas.microsoft.com/internal/obd" targetNamespace="http://schemas.openxmlformats.org/package/2006/metadata/core-properties" elementFormDefault="qualified" attributeFormDefault="unqualified" blockDefault="#all">
+    <xsd:import namespace="http://purl.org/dc/elements/1.1/" schemaLocation="http://dublincore.org/schemas/xmls/qdc/2003/04/02/dc.xsd"/>
+    <xsd:import namespace="http://purl.org/dc/terms/" schemaLocation="http://dublincore.org/schemas/xmls/qdc/2003/04/02/dcterms.xsd"/>
+    <xsd:element name="coreProperties" type="CT_coreProperties"/>
+    <xsd:complexType name="CT_coreProperties">
+      <xsd:all>
+        <xsd:element ref="dc:creator" minOccurs="0" maxOccurs="1"/>
+        <xsd:element ref="dcterms:created" minOccurs="0" maxOccurs="1"/>
+        <xsd:element ref="dc:identifier" minOccurs="0" maxOccurs="1"/>
+        <xsd:element name="contentType" minOccurs="0" maxOccurs="1" type="xsd:string" ma:index="0" ma:displayName="Content Type"/>
+        <xsd:element ref="dc:title" minOccurs="0" maxOccurs="1" ma:index="4" ma:displayName="Title"/>
+        <xsd:element ref="dc:subject" minOccurs="0" maxOccurs="1"/>
+        <xsd:element ref="dc:description" minOccurs="0" maxOccurs="1"/>
+        <xsd:element name="keywords" minOccurs="0" maxOccurs="1" type="xsd:string"/>
+        <xsd:element ref="dc:language" minOccurs="0" maxOccurs="1"/>
+        <xsd:element name="category" minOccurs="0" maxOccurs="1" type="xsd:string"/>
+        <xsd:element name="version" minOccurs="0" maxOccurs="1" type="xsd:string"/>
+        <xsd:element name="revision" minOccurs="0" maxOccurs="1" type="xsd:string">
+          <xsd:annotation>
+            <xsd:documentation>
+                        This value indicates the number of saves or revisions. The application is responsible for updating this value after each revision.
+                    </xsd:documentation>
+          </xsd:annotation>
+        </xsd:element>
+        <xsd:element name="lastModifiedBy" minOccurs="0" maxOccurs="1" type="xsd:string"/>
+        <xsd:element ref="dcterms:modified" minOccurs="0" maxOccurs="1"/>
+        <xsd:element name="contentStatus" minOccurs="0" maxOccurs="1" type="xsd:string"/>
+      </xsd:all>
+    </xsd:complexType>
+  </xsd:schema>
+  <xs:schema xmlns:pc="http://schemas.microsoft.com/office/infopath/2007/PartnerControls" xmlns:xs="http://www.w3.org/2001/XMLSchema" targetNamespace="http://schemas.microsoft.com/office/infopath/2007/PartnerControls" elementFormDefault="qualified" attributeFormDefault="unqualified">
+    <xs:element name="Person">
+      <xs:complexType>
+        <xs:sequence>
+          <xs:element ref="pc:DisplayName" minOccurs="0"/>
+          <xs:element ref="pc:AccountId" minOccurs="0"/>
+          <xs:element ref="pc:AccountType" minOccurs="0"/>
+        </xs:sequence>
+      </xs:complexType>
+    </xs:element>
+    <xs:element name="DisplayName" type="xs:string"/>
+    <xs:element name="AccountId" type="xs:string"/>
+    <xs:element name="AccountType" type="xs:string"/>
+    <xs:element name="BDCAssociatedEntity">
+      <xs:complexType>
+        <xs:sequence>
+          <xs:element ref="pc:BDCEntity" minOccurs="0" maxOccurs="unbounded"/>
+        </xs:sequence>
+        <xs:attribute ref="pc:EntityNamespace"/>
+        <xs:attribute ref="pc:EntityName"/>
+        <xs:attribute ref="pc:SystemInstanceName"/>
+        <xs:attribute ref="pc:AssociationName"/>
+      </xs:complexType>
+    </xs:element>
+    <xs:attribute name="EntityNamespace" type="xs:string"/>
+    <xs:attribute name="EntityName" type="xs:string"/>
+    <xs:attribute name="SystemInstanceName" type="xs:string"/>
+    <xs:attribute name="AssociationName" type="xs:string"/>
+    <xs:element name="BDCEntity">
+      <xs:complexType>
+        <xs:sequence>
+          <xs:element ref="pc:EntityDisplayName" minOccurs="0"/>
+          <xs:element ref="pc:EntityInstanceReference" minOccurs="0"/>
+          <xs:element ref="pc:EntityId1" minOccurs="0"/>
+          <xs:element ref="pc:EntityId2" minOccurs="0"/>
+          <xs:element ref="pc:EntityId3" minOccurs="0"/>
+          <xs:element ref="pc:EntityId4" minOccurs="0"/>
+          <xs:element ref="pc:EntityId5" minOccurs="0"/>
+        </xs:sequence>
+      </xs:complexType>
+    </xs:element>
+    <xs:element name="EntityDisplayName" type="xs:string"/>
+    <xs:element name="EntityInstanceReference" type="xs:string"/>
+    <xs:element name="EntityId1" type="xs:string"/>
+    <xs:element name="EntityId2" type="xs:string"/>
+    <xs:element name="EntityId3" type="xs:string"/>
+    <xs:element name="EntityId4" type="xs:string"/>
+    <xs:element name="EntityId5" type="xs:string"/>
+    <xs:element name="Terms">
+      <xs:complexType>
+        <xs:sequence>
+          <xs:element ref="pc:TermInfo" minOccurs="0" maxOccurs="unbounded"/>
+        </xs:sequence>
+      </xs:complexType>
+    </xs:element>
+    <xs:element name="TermInfo">
+      <xs:complexType>
+        <xs:sequence>
+          <xs:element ref="pc:TermName" minOccurs="0"/>
+          <xs:element ref="pc:TermId" minOccurs="0"/>
+        </xs:sequence>
+      </xs:complexType>
+    </xs:element>
+    <xs:element name="TermName" type="xs:string"/>
+    <xs:element name="TermId" type="xs:string"/>
+  </xs:schema>
+</ct:contentTypeSchema>
+</file>
+
+<file path=customXml/item2.xml><?xml version="1.0" encoding="utf-8"?>
+<?mso-contentType ?>
+<FormTemplates xmlns="http://schemas.microsoft.com/sharepoint/v3/contenttype/forms">
+  <Display>DocumentLibraryForm</Display>
+  <Edit>DocumentLibraryForm</Edit>
+  <New>DocumentLibraryForm</New>
+</FormTemplates>
+</file>
+
+<file path=customXml/itemProps1.xml><?xml version="1.0" encoding="utf-8"?>
+<ds:datastoreItem xmlns:ds="http://schemas.openxmlformats.org/officeDocument/2006/customXml" ds:itemID="{9F7F0265-C8BC-435F-974C-4E6BFB1DDAA6}"/>
+</file>
+
+<file path=customXml/itemProps2.xml><?xml version="1.0" encoding="utf-8"?>
+<ds:datastoreItem xmlns:ds="http://schemas.openxmlformats.org/officeDocument/2006/customXml" ds:itemID="{F3609E09-E05E-40F3-B030-87BDDD9503C1}"/>
 </file>